--- a/SISTEMA DE INFORMACIÒN GEOGRÀFICA  SURFER_1.pptx
+++ b/SISTEMA DE INFORMACIÒN GEOGRÀFICA  SURFER_1.pptx
@@ -15,6 +15,7 @@
     <p:sldId id="261" r:id="rId9"/>
     <p:sldId id="262" r:id="rId10"/>
     <p:sldId id="265" r:id="rId11"/>
+    <p:sldId id="266" r:id="rId12"/>
   </p:sldIdLst>
   <p:sldSz cx="12192000" cy="6858000"/>
   <p:notesSz cx="6858000" cy="9144000"/>
@@ -291,7 +292,7 @@
           <a:p>
             <a:fld id="{032659FF-3945-4BEB-8B29-F35451AE3DBD}" type="datetimeFigureOut">
               <a:rPr lang="es-EC" smtClean="0"/>
-              <a:t>19/01/2015</a:t>
+              <a:t>20/01/2015</a:t>
             </a:fld>
             <a:endParaRPr lang="es-EC"/>
           </a:p>
@@ -558,7 +559,7 @@
           <a:p>
             <a:fld id="{032659FF-3945-4BEB-8B29-F35451AE3DBD}" type="datetimeFigureOut">
               <a:rPr lang="es-EC" smtClean="0"/>
-              <a:t>19/01/2015</a:t>
+              <a:t>20/01/2015</a:t>
             </a:fld>
             <a:endParaRPr lang="es-EC"/>
           </a:p>
@@ -789,7 +790,7 @@
           <a:p>
             <a:fld id="{032659FF-3945-4BEB-8B29-F35451AE3DBD}" type="datetimeFigureOut">
               <a:rPr lang="es-EC" smtClean="0"/>
-              <a:t>19/01/2015</a:t>
+              <a:t>20/01/2015</a:t>
             </a:fld>
             <a:endParaRPr lang="es-EC"/>
           </a:p>
@@ -1099,7 +1100,7 @@
           <a:p>
             <a:fld id="{032659FF-3945-4BEB-8B29-F35451AE3DBD}" type="datetimeFigureOut">
               <a:rPr lang="es-EC" smtClean="0"/>
-              <a:t>19/01/2015</a:t>
+              <a:t>20/01/2015</a:t>
             </a:fld>
             <a:endParaRPr lang="es-EC"/>
           </a:p>
@@ -1572,7 +1573,7 @@
           <a:p>
             <a:fld id="{032659FF-3945-4BEB-8B29-F35451AE3DBD}" type="datetimeFigureOut">
               <a:rPr lang="es-EC" smtClean="0"/>
-              <a:t>19/01/2015</a:t>
+              <a:t>20/01/2015</a:t>
             </a:fld>
             <a:endParaRPr lang="es-EC"/>
           </a:p>
@@ -2119,7 +2120,7 @@
           <a:p>
             <a:fld id="{032659FF-3945-4BEB-8B29-F35451AE3DBD}" type="datetimeFigureOut">
               <a:rPr lang="es-EC" smtClean="0"/>
-              <a:t>19/01/2015</a:t>
+              <a:t>20/01/2015</a:t>
             </a:fld>
             <a:endParaRPr lang="es-EC"/>
           </a:p>
@@ -2893,7 +2894,7 @@
           <a:p>
             <a:fld id="{032659FF-3945-4BEB-8B29-F35451AE3DBD}" type="datetimeFigureOut">
               <a:rPr lang="es-EC" smtClean="0"/>
-              <a:t>19/01/2015</a:t>
+              <a:t>20/01/2015</a:t>
             </a:fld>
             <a:endParaRPr lang="es-EC"/>
           </a:p>
@@ -3068,7 +3069,7 @@
           <a:p>
             <a:fld id="{032659FF-3945-4BEB-8B29-F35451AE3DBD}" type="datetimeFigureOut">
               <a:rPr lang="es-EC" smtClean="0"/>
-              <a:t>19/01/2015</a:t>
+              <a:t>20/01/2015</a:t>
             </a:fld>
             <a:endParaRPr lang="es-EC"/>
           </a:p>
@@ -3291,7 +3292,7 @@
           <a:p>
             <a:fld id="{032659FF-3945-4BEB-8B29-F35451AE3DBD}" type="datetimeFigureOut">
               <a:rPr lang="es-EC" smtClean="0"/>
-              <a:t>19/01/2015</a:t>
+              <a:t>20/01/2015</a:t>
             </a:fld>
             <a:endParaRPr lang="es-EC"/>
           </a:p>
@@ -3471,7 +3472,7 @@
           <a:p>
             <a:fld id="{032659FF-3945-4BEB-8B29-F35451AE3DBD}" type="datetimeFigureOut">
               <a:rPr lang="es-EC" smtClean="0"/>
-              <a:t>19/01/2015</a:t>
+              <a:t>20/01/2015</a:t>
             </a:fld>
             <a:endParaRPr lang="es-EC"/>
           </a:p>
@@ -3760,7 +3761,7 @@
           <a:p>
             <a:fld id="{032659FF-3945-4BEB-8B29-F35451AE3DBD}" type="datetimeFigureOut">
               <a:rPr lang="es-EC" smtClean="0"/>
-              <a:t>19/01/2015</a:t>
+              <a:t>20/01/2015</a:t>
             </a:fld>
             <a:endParaRPr lang="es-EC"/>
           </a:p>
@@ -4002,7 +4003,7 @@
           <a:p>
             <a:fld id="{032659FF-3945-4BEB-8B29-F35451AE3DBD}" type="datetimeFigureOut">
               <a:rPr lang="es-EC" smtClean="0"/>
-              <a:t>19/01/2015</a:t>
+              <a:t>20/01/2015</a:t>
             </a:fld>
             <a:endParaRPr lang="es-EC"/>
           </a:p>
@@ -4381,7 +4382,7 @@
           <a:p>
             <a:fld id="{032659FF-3945-4BEB-8B29-F35451AE3DBD}" type="datetimeFigureOut">
               <a:rPr lang="es-EC" smtClean="0"/>
-              <a:t>19/01/2015</a:t>
+              <a:t>20/01/2015</a:t>
             </a:fld>
             <a:endParaRPr lang="es-EC"/>
           </a:p>
@@ -4499,7 +4500,7 @@
           <a:p>
             <a:fld id="{032659FF-3945-4BEB-8B29-F35451AE3DBD}" type="datetimeFigureOut">
               <a:rPr lang="es-EC" smtClean="0"/>
-              <a:t>19/01/2015</a:t>
+              <a:t>20/01/2015</a:t>
             </a:fld>
             <a:endParaRPr lang="es-EC"/>
           </a:p>
@@ -4594,7 +4595,7 @@
           <a:p>
             <a:fld id="{032659FF-3945-4BEB-8B29-F35451AE3DBD}" type="datetimeFigureOut">
               <a:rPr lang="es-EC" smtClean="0"/>
-              <a:t>19/01/2015</a:t>
+              <a:t>20/01/2015</a:t>
             </a:fld>
             <a:endParaRPr lang="es-EC"/>
           </a:p>
@@ -4843,7 +4844,7 @@
           <a:p>
             <a:fld id="{032659FF-3945-4BEB-8B29-F35451AE3DBD}" type="datetimeFigureOut">
               <a:rPr lang="es-EC" smtClean="0"/>
-              <a:t>19/01/2015</a:t>
+              <a:t>20/01/2015</a:t>
             </a:fld>
             <a:endParaRPr lang="es-EC"/>
           </a:p>
@@ -5100,7 +5101,7 @@
           <a:p>
             <a:fld id="{032659FF-3945-4BEB-8B29-F35451AE3DBD}" type="datetimeFigureOut">
               <a:rPr lang="es-EC" smtClean="0"/>
-              <a:t>19/01/2015</a:t>
+              <a:t>20/01/2015</a:t>
             </a:fld>
             <a:endParaRPr lang="es-EC"/>
           </a:p>
@@ -5343,7 +5344,7 @@
           <a:p>
             <a:fld id="{032659FF-3945-4BEB-8B29-F35451AE3DBD}" type="datetimeFigureOut">
               <a:rPr lang="es-EC" smtClean="0"/>
-              <a:t>19/01/2015</a:t>
+              <a:t>20/01/2015</a:t>
             </a:fld>
             <a:endParaRPr lang="es-EC"/>
           </a:p>
@@ -6143,6 +6144,74 @@
       </p:par>
     </p:tnLst>
   </p:timing>
+</p:sld>
+</file>
+
+<file path=ppt/slides/slide11.xml><?xml version="1.0" encoding="utf-8"?>
+<p:sld xmlns:a="http://schemas.openxmlformats.org/drawingml/2006/main" xmlns:r="http://schemas.openxmlformats.org/officeDocument/2006/relationships" xmlns:p="http://schemas.openxmlformats.org/presentationml/2006/main">
+  <p:cSld>
+    <p:spTree>
+      <p:nvGrpSpPr>
+        <p:cNvPr id="1" name=""/>
+        <p:cNvGrpSpPr/>
+        <p:nvPr/>
+      </p:nvGrpSpPr>
+      <p:grpSpPr>
+        <a:xfrm>
+          <a:off x="0" y="0"/>
+          <a:ext cx="0" cy="0"/>
+          <a:chOff x="0" y="0"/>
+          <a:chExt cx="0" cy="0"/>
+        </a:xfrm>
+      </p:grpSpPr>
+      <p:sp>
+        <p:nvSpPr>
+          <p:cNvPr id="2" name="Título 1"/>
+          <p:cNvSpPr>
+            <a:spLocks noGrp="1"/>
+          </p:cNvSpPr>
+          <p:nvPr>
+            <p:ph type="title"/>
+          </p:nvPr>
+        </p:nvSpPr>
+        <p:spPr/>
+        <p:txBody>
+          <a:bodyPr/>
+          <a:lstStyle/>
+          <a:p>
+            <a:endParaRPr lang="es-EC"/>
+          </a:p>
+        </p:txBody>
+      </p:sp>
+      <p:sp>
+        <p:nvSpPr>
+          <p:cNvPr id="3" name="Marcador de contenido 2"/>
+          <p:cNvSpPr>
+            <a:spLocks noGrp="1"/>
+          </p:cNvSpPr>
+          <p:nvPr>
+            <p:ph idx="1"/>
+          </p:nvPr>
+        </p:nvSpPr>
+        <p:spPr/>
+        <p:txBody>
+          <a:bodyPr/>
+          <a:lstStyle/>
+          <a:p>
+            <a:endParaRPr lang="es-EC"/>
+          </a:p>
+        </p:txBody>
+      </p:sp>
+    </p:spTree>
+    <p:extLst>
+      <p:ext uri="{BB962C8B-B14F-4D97-AF65-F5344CB8AC3E}">
+        <p14:creationId xmlns:p14="http://schemas.microsoft.com/office/powerpoint/2010/main" val="2235795535"/>
+      </p:ext>
+    </p:extLst>
+  </p:cSld>
+  <p:clrMapOvr>
+    <a:masterClrMapping/>
+  </p:clrMapOvr>
 </p:sld>
 </file>
 
